--- a/testing/dataset_insights.pptx
+++ b/testing/dataset_insights.pptx
@@ -3238,7 +3238,7 @@
               <a:defRPr sz="1800"/>
             </a:pPr>
             <a:r>
-              <a:t>The provided dataset contains 1,000 records with various attributes related to beneficiaries, coverage, and claims. Here are key summary statistics based on the columns:</a:t>
+              <a:t>The dataset contains 1,000 entries with various demographic and claims-related attributes. Here are some key summary statistics:</a:t>
             </a:r>
           </a:p>
           <a:p>
@@ -3252,7 +3252,7 @@
               <a:defRPr sz="1800"/>
             </a:pPr>
             <a:r>
-              <a:t>- **Beneficiary Age**: The average birth date appears to be around 1933, with some beneficiaries born as early as 1922 and as late as 1961. The mean age of the beneficiaries is approximately 90 years.</a:t>
+              <a:t>- **Demographics:**</a:t>
             </a:r>
           </a:p>
           <a:p>
@@ -3266,7 +3266,7 @@
               <a:defRPr sz="1800"/>
             </a:pPr>
             <a:r>
-              <a:t>- **Death Dates**: The majority of entries have no recorded death date (0.0), indicating that those beneficiaries are alive or the data is incomplete.</a:t>
+              <a:t>- **Birth Date (BENE_BIRTH_DT):** The mean birth year appears to be around 1935, indicating that the majority of the population is elderly.</a:t>
             </a:r>
           </a:p>
           <a:p>
@@ -3280,7 +3280,7 @@
               <a:defRPr sz="1800"/>
             </a:pPr>
             <a:r>
-              <a:t>- **Gender Distribution**: The `BENE_SEX_IDENT_CD` has a mean value of 1.57, suggesting a near-equal distribution between male (1) and female (2) beneficiaries.</a:t>
+              <a:t>- **Death Date (BENE_DEATH_DT):** The presence of many zero values indicates that these individuals are still alive or that death dates might not be recorded for all.</a:t>
             </a:r>
           </a:p>
           <a:p>
@@ -3294,7 +3294,7 @@
               <a:defRPr sz="1800"/>
             </a:pPr>
             <a:r>
-              <a:t>- **Race Distribution**: The `BENE_RACE_CD` indicates diversity, with values ranging from 1 to 5, corresponding to different racial categories.</a:t>
+              <a:t>- **Sex Identification (BENE_SEX_IDENT_CD):** The mean value is approximately 1.57, indicating a slightly higher number of females (2.0) than males (1.0).</a:t>
             </a:r>
           </a:p>
           <a:p>
@@ -3308,7 +3308,7 @@
               <a:defRPr sz="1800"/>
             </a:pPr>
             <a:r>
-              <a:t>- **Chronic Conditions**: The dataset includes various health conditions (e.g., Alzheimer's, CHF, COPD, Diabetes) coded as binary indicators (1 = present, 2 = absent). Most beneficiaries have multiple chronic conditions, indicating a high prevalence of comorbidities.</a:t>
+              <a:t>- **Race (BENE_RACE_CD):** Most individuals appear to belong to a primary race category (1.0).</a:t>
             </a:r>
           </a:p>
           <a:p>
@@ -3322,7 +3322,7 @@
               <a:defRPr sz="1800"/>
             </a:pPr>
             <a:r>
-              <a:t>- **Coverage Information**: The average months of coverage for HI, SMI, and HMO are relatively high, suggesting that beneficiaries are often enrolled in multiple plans.</a:t>
+              <a:t>- **Insurance Coverage:**</a:t>
             </a:r>
           </a:p>
           <a:p>
@@ -3336,7 +3336,77 @@
               <a:defRPr sz="1800"/>
             </a:pPr>
             <a:r>
-              <a:t>- **Claims Data**: The average payment amounts for inpatient, outpatient, and carrier claims vary widely, suggesting a range of service utilization among beneficiaries.</a:t>
+              <a:t>- **Total Medicare Coverage Months:** The average is approximately 11.75 months for HI, SMI, and HMO, indicating that most beneficiaries have continuous coverage.</a:t>
+            </a:r>
+          </a:p>
+          <a:p>
+            <a:pPr>
+              <a:spcBef>
+                <a:spcPts val="600"/>
+              </a:spcBef>
+              <a:spcAft>
+                <a:spcPts val="600"/>
+              </a:spcAft>
+              <a:defRPr sz="1800"/>
+            </a:pPr>
+            <a:r>
+              <a:t>- **Chronic Conditions:**</a:t>
+            </a:r>
+          </a:p>
+          <a:p>
+            <a:pPr>
+              <a:spcBef>
+                <a:spcPts val="600"/>
+              </a:spcBef>
+              <a:spcAft>
+                <a:spcPts val="600"/>
+              </a:spcAft>
+              <a:defRPr sz="1800"/>
+            </a:pPr>
+            <a:r>
+              <a:t>- There are several flags for chronic conditions (e.g., Alzheimer’s, CHF, CKD, etc.). The average counts for these conditions are mostly around 1.5-2.0, suggesting a significant prevalence of chronic conditions among this elderly population.</a:t>
+            </a:r>
+          </a:p>
+          <a:p>
+            <a:pPr>
+              <a:spcBef>
+                <a:spcPts val="600"/>
+              </a:spcBef>
+              <a:spcAft>
+                <a:spcPts val="600"/>
+              </a:spcAft>
+              <a:defRPr sz="1800"/>
+            </a:pPr>
+            <a:r>
+              <a:t>- **Financial Metrics:**</a:t>
+            </a:r>
+          </a:p>
+          <a:p>
+            <a:pPr>
+              <a:spcBef>
+                <a:spcPts val="600"/>
+              </a:spcBef>
+              <a:spcAft>
+                <a:spcPts val="600"/>
+              </a:spcAft>
+              <a:defRPr sz="1800"/>
+            </a:pPr>
+            <a:r>
+              <a:t>- **Total Payments (MEDREIMB_IP, OP, CAR):** The average payment amounts are significant, with inpatient payments averaging around $2794.99.</a:t>
+            </a:r>
+          </a:p>
+          <a:p>
+            <a:pPr>
+              <a:spcBef>
+                <a:spcPts val="600"/>
+              </a:spcBef>
+              <a:spcAft>
+                <a:spcPts val="600"/>
+              </a:spcAft>
+              <a:defRPr sz="1800"/>
+            </a:pPr>
+            <a:r>
+              <a:t>- **Claim IDs and Dates:** Claim IDs and dates are recorded, which can be useful for tracking claims over time.</a:t>
             </a:r>
           </a:p>
           <a:p>
@@ -3458,7 +3528,7 @@
               <a:defRPr sz="1800"/>
             </a:pPr>
             <a:r>
-              <a:t>- **High Prevalence of Chronic Conditions**: A significant number of beneficiaries report multiple chronic conditions. For instance, conditions like diabetes and depression are common.</a:t>
+              <a:t>- **Age Distribution:** The dataset primarily represents an older demographic, which is expected in Medicare data. This suggests a higher demand for healthcare services.</a:t>
             </a:r>
           </a:p>
           <a:p>
@@ -3472,7 +3542,7 @@
               <a:defRPr sz="1800"/>
             </a:pPr>
             <a:r>
-              <a:t>- **Coverage Types**: Most beneficiaries seem to have extensive health insurance coverage, with a notable number enrolled in both Medicare and HMO plans.</a:t>
+              <a:t>- **High Prevalence of Chronic Conditions:** The presence of chronic conditions such as diabetes, depression, and cardiovascular diseases indicates a need for targeted healthcare programs to manage these conditions effectively.</a:t>
             </a:r>
           </a:p>
           <a:p>
@@ -3486,7 +3556,7 @@
               <a:defRPr sz="1800"/>
             </a:pPr>
             <a:r>
-              <a:t>- **Claims Variability**: There's considerable variability in claims amounts, indicating differences in healthcare utilization, which could be influenced by health status or geographic location (as indicated by state and county codes).</a:t>
+              <a:t>- **Insurance Coverage Stability:** Most beneficiaries have a consistent history of coverage, which is crucial for maintaining continuous care.</a:t>
             </a:r>
           </a:p>
           <a:p>
@@ -3500,7 +3570,7 @@
               <a:defRPr sz="1800"/>
             </a:pPr>
             <a:r>
-              <a:t>- **Geographic Distribution**: The state and county codes might reveal trends in healthcare access and service utilization that could be further explored.</a:t>
+              <a:t>- **Potential for Care Coordination:** The presence of multiple chronic conditions among individuals suggests that coordinated care models could be beneficial.</a:t>
             </a:r>
           </a:p>
           <a:p>
@@ -3622,7 +3692,7 @@
               <a:defRPr sz="1800"/>
             </a:pPr>
             <a:r>
-              <a:t>- **Data Completeness**: Ensure that the dataset is complete, especially for critical fields such as `BENE_DEATH_DT`, which currently has many zeros. This can help in understanding mortality trends and healthcare costs more accurately.</a:t>
+              <a:t>- **Targeted Health Programs:** Implement health programs specifically designed for managing chronic conditions, such as diabetes management and mental health services for depression.</a:t>
             </a:r>
           </a:p>
           <a:p>
@@ -3636,7 +3706,7 @@
               <a:defRPr sz="1800"/>
             </a:pPr>
             <a:r>
-              <a:t>- **Chronic Condition Management**: Implement targeted health programs aimed at managing chronic conditions, given the high prevalence observed. This could include educational programs or preventative care initiatives.</a:t>
+              <a:t>- **Data Completeness:** Improve the collection of demographic data, particularly around death dates and racial/ethnic categories, to enhance understanding and support for these populations.</a:t>
             </a:r>
           </a:p>
           <a:p>
@@ -3650,7 +3720,7 @@
               <a:defRPr sz="1800"/>
             </a:pPr>
             <a:r>
-              <a:t>- **Geographic Analysis**: Conduct a deeper analysis based on state and county codes to identify regions with high healthcare utilization versus those with lower utilization. This can help in resource allocation and developing region-specific health interventions.</a:t>
+              <a:t>- **Care Coordination Models:** Develop care coordination initiatives that focus on individuals with multiple chronic conditions to ensure they receive comprehensive care across different healthcare settings.</a:t>
             </a:r>
           </a:p>
           <a:p>
@@ -3664,7 +3734,7 @@
               <a:defRPr sz="1800"/>
             </a:pPr>
             <a:r>
-              <a:t>- **Cost Monitoring**: Regularly monitor claims data to identify trends in healthcare costs and utilization, aiming to manage expenditures while maintaining quality care.</a:t>
+              <a:t>- **Financial Assistance Programs:** Evaluate the financial impact on beneficiaries with high medical expenses and consider programs that assist with deductibles and coinsurance.</a:t>
             </a:r>
           </a:p>
           <a:p>
@@ -3786,7 +3856,7 @@
               <a:defRPr sz="1800"/>
             </a:pPr>
             <a:r>
-              <a:t>- **Death Dates**: The presence of many zeros in the `BENE_DEATH_DT` column raises concerns about data integrity. It is essential to verify whether beneficiaries are indeed alive or if the data is incomplete.</a:t>
+              <a:t>- **Death Date Reporting:** The high number of zero values in the death date field indicates a potential issue with data completeness. This could affect population health assessments and resource allocation.</a:t>
             </a:r>
           </a:p>
           <a:p>
@@ -3800,7 +3870,7 @@
               <a:defRPr sz="1800"/>
             </a:pPr>
             <a:r>
-              <a:t>- **Claims Amounts**: Some claims amounts are extremely high (e.g., up to 40000 for outpatient claims), which may warrant further investigation to ensure that these reflect accurate billing and service utilization patterns.</a:t>
+              <a:t>- **Negative Values for Payments:** There are negative payment amounts present in the financial metrics, which may indicate billing errors or adjustments that need to be addressed.</a:t>
             </a:r>
           </a:p>
           <a:p>
@@ -3814,7 +3884,7 @@
               <a:defRPr sz="1800"/>
             </a:pPr>
             <a:r>
-              <a:t>- **Chronic Condition Indicators**: The binary indicators for chronic conditions show a high prevalence (mean values around 2.0). This could indicate that the coding is misrepresentative, or that there is a true high burden of disease among beneficiaries, which needs to be addressed.</a:t>
+              <a:t>- **Potential Underreporting of Chronic Conditions:** The average counts for certain chronic conditions seem relatively low compared to national averages. This could suggest underreporting or misclassification in the dataset.</a:t>
             </a:r>
           </a:p>
           <a:p>
@@ -3828,7 +3898,7 @@
               <a:defRPr sz="1800"/>
             </a:pPr>
             <a:r>
-              <a:t>- **Coverage Gaps**: Despite high coverage months, some beneficiaries may still face challenges accessing necessary healthcare services. Exploring access versus utilization can uncover potential barriers.</a:t>
+              <a:t>- **Data Type Consistency:** Several columns, including demographic identifiers, have a mix of numeric and string types (e.g., ICD codes). Consider standardizing these fields to improve data integrity and usability in analysis.</a:t>
             </a:r>
           </a:p>
           <a:p>
@@ -3950,7 +4020,7 @@
               <a:defRPr sz="1800"/>
             </a:pPr>
             <a:r>
-              <a:t>The dataset indicates a complex interplay of demographics, health status, and healthcare access among beneficiaries. Addressing data integrity issues, understanding chronic condition management, and focusing on geographic disparities will enhance healthcare delivery and outcomes for this population.</a:t>
+              <a:t>The dataset presents valuable insights into the Medicare population, particularly regarding age, chronic conditions, and insurance coverage. Addressing the anomalies and implementing the recommendations can significantly enhance the quality and effectiveness of healthcare delivery for this demographic.</a:t>
             </a:r>
           </a:p>
         </p:txBody>

--- a/testing/dataset_insights.pptx
+++ b/testing/dataset_insights.pptx
@@ -10,7 +10,6 @@
     <p:sldId id="258" r:id="rId9"/>
     <p:sldId id="259" r:id="rId10"/>
     <p:sldId id="260" r:id="rId11"/>
-    <p:sldId id="261" r:id="rId12"/>
   </p:sldIdLst>
   <p:sldSz cx="9144000" cy="6858000" type="screen4x3"/>
   <p:notesSz cx="6858000" cy="9144000"/>
@@ -3086,6 +3085,14 @@
 <file path=ppt/slides/slide1.xml><?xml version="1.0" encoding="utf-8"?>
 <p:sld xmlns:a="http://schemas.openxmlformats.org/drawingml/2006/main" xmlns:p="http://schemas.openxmlformats.org/presentationml/2006/main" xmlns:r="http://schemas.openxmlformats.org/officeDocument/2006/relationships">
   <p:cSld>
+    <p:bg>
+      <p:bgPr>
+        <a:solidFill>
+          <a:srgbClr val="FAFAFA"/>
+        </a:solidFill>
+        <a:effectLst/>
+      </p:bgPr>
+    </p:bg>
     <p:spTree>
       <p:nvGrpSpPr>
         <p:cNvPr id="1" name=""/>
@@ -3131,6 +3138,58 @@
           <a:p>
             <a:r>
               <a:t>Generated by OpenAI Data Analysis</a:t>
+            </a:r>
+          </a:p>
+        </p:txBody>
+      </p:sp>
+      <p:sp>
+        <p:nvSpPr>
+          <p:cNvPr id="4" name="Rectangle 3"/>
+          <p:cNvSpPr/>
+          <p:nvPr/>
+        </p:nvSpPr>
+        <p:spPr>
+          <a:xfrm>
+            <a:off x="0" y="0"/>
+            <a:ext cx="9144000" cy="548640"/>
+          </a:xfrm>
+          <a:prstGeom prst="rect">
+            <a:avLst/>
+          </a:prstGeom>
+          <a:solidFill>
+            <a:srgbClr val="006699"/>
+          </a:solidFill>
+          <a:ln>
+            <a:noFill/>
+          </a:ln>
+        </p:spPr>
+        <p:style>
+          <a:lnRef idx="1">
+            <a:schemeClr val="accent1"/>
+          </a:lnRef>
+          <a:fillRef idx="3">
+            <a:schemeClr val="accent1"/>
+          </a:fillRef>
+          <a:effectRef idx="2">
+            <a:schemeClr val="accent1"/>
+          </a:effectRef>
+          <a:fontRef idx="minor">
+            <a:schemeClr val="lt1"/>
+          </a:fontRef>
+        </p:style>
+        <p:txBody>
+          <a:bodyPr rtlCol="0" anchor="ctr"/>
+          <a:lstStyle/>
+          <a:p>
+            <a:pPr algn="ctr">
+              <a:defRPr sz="1600" b="1">
+                <a:solidFill>
+                  <a:srgbClr val="FFFFFF"/>
+                </a:solidFill>
+              </a:defRPr>
+            </a:pPr>
+            <a:r>
+              <a:t>Dataset Insights</a:t>
             </a:r>
           </a:p>
         </p:txBody>
@@ -3146,6 +3205,14 @@
 <file path=ppt/slides/slide2.xml><?xml version="1.0" encoding="utf-8"?>
 <p:sld xmlns:a="http://schemas.openxmlformats.org/drawingml/2006/main" xmlns:p="http://schemas.openxmlformats.org/presentationml/2006/main" xmlns:r="http://schemas.openxmlformats.org/officeDocument/2006/relationships">
   <p:cSld>
+    <p:bg>
+      <p:bgPr>
+        <a:solidFill>
+          <a:srgbClr val="FAFAFA"/>
+        </a:solidFill>
+        <a:effectLst/>
+      </p:bgPr>
+    </p:bg>
     <p:spTree>
       <p:nvGrpSpPr>
         <p:cNvPr id="1" name=""/>
@@ -3172,14 +3239,66 @@
       </p:sp>
       <p:sp>
         <p:nvSpPr>
-          <p:cNvPr id="3" name="TextBox 2"/>
+          <p:cNvPr id="3" name="Rectangle 2"/>
+          <p:cNvSpPr/>
+          <p:nvPr/>
+        </p:nvSpPr>
+        <p:spPr>
+          <a:xfrm>
+            <a:off x="0" y="0"/>
+            <a:ext cx="9144000" cy="548640"/>
+          </a:xfrm>
+          <a:prstGeom prst="rect">
+            <a:avLst/>
+          </a:prstGeom>
+          <a:solidFill>
+            <a:srgbClr val="006699"/>
+          </a:solidFill>
+          <a:ln>
+            <a:noFill/>
+          </a:ln>
+        </p:spPr>
+        <p:style>
+          <a:lnRef idx="1">
+            <a:schemeClr val="accent1"/>
+          </a:lnRef>
+          <a:fillRef idx="3">
+            <a:schemeClr val="accent1"/>
+          </a:fillRef>
+          <a:effectRef idx="2">
+            <a:schemeClr val="accent1"/>
+          </a:effectRef>
+          <a:fontRef idx="minor">
+            <a:schemeClr val="lt1"/>
+          </a:fontRef>
+        </p:style>
+        <p:txBody>
+          <a:bodyPr rtlCol="0" anchor="ctr"/>
+          <a:lstStyle/>
+          <a:p>
+            <a:pPr algn="ctr">
+              <a:defRPr sz="1600" b="1">
+                <a:solidFill>
+                  <a:srgbClr val="FFFFFF"/>
+                </a:solidFill>
+              </a:defRPr>
+            </a:pPr>
+            <a:r>
+              <a:t>Dataset Insights</a:t>
+            </a:r>
+          </a:p>
+        </p:txBody>
+      </p:sp>
+      <p:sp>
+        <p:nvSpPr>
+          <p:cNvPr id="4" name="TextBox 3"/>
           <p:cNvSpPr txBox="1"/>
           <p:nvPr/>
         </p:nvSpPr>
         <p:spPr>
           <a:xfrm>
-            <a:off x="457200" y="457200"/>
-            <a:ext cx="8229600" cy="914400"/>
+            <a:off x="457200" y="731520"/>
+            <a:ext cx="8229600" cy="640080"/>
           </a:xfrm>
           <a:prstGeom prst="rect">
             <a:avLst/>
@@ -3187,34 +3306,34 @@
           <a:noFill/>
         </p:spPr>
         <p:txBody>
-          <a:bodyPr wrap="square">
+          <a:bodyPr wrap="none">
             <a:spAutoFit/>
           </a:bodyPr>
           <a:lstStyle/>
           <a:p>
             <a:pPr>
-              <a:defRPr sz="3200" b="1">
+              <a:defRPr sz="2800" b="1">
                 <a:solidFill>
                   <a:srgbClr val="003366"/>
                 </a:solidFill>
               </a:defRPr>
             </a:pPr>
             <a:r>
-              <a:t>### 1. Summary Statistics</a:t>
-            </a:r>
-          </a:p>
-        </p:txBody>
-      </p:sp>
-      <p:sp>
-        <p:nvSpPr>
-          <p:cNvPr id="4" name="TextBox 3"/>
+              <a:t>1. Summary Statistics</a:t>
+            </a:r>
+          </a:p>
+        </p:txBody>
+      </p:sp>
+      <p:sp>
+        <p:nvSpPr>
+          <p:cNvPr id="5" name="TextBox 4"/>
           <p:cNvSpPr txBox="1"/>
           <p:nvPr/>
         </p:nvSpPr>
         <p:spPr>
           <a:xfrm>
-            <a:off x="457200" y="1645920"/>
-            <a:ext cx="8229600" cy="4754880"/>
+            <a:off x="457200" y="1463040"/>
+            <a:ext cx="8229600" cy="4572000"/>
           </a:xfrm>
           <a:prstGeom prst="rect">
             <a:avLst/>
@@ -3229,198 +3348,114 @@
           <a:p/>
           <a:p>
             <a:pPr>
-              <a:spcBef>
-                <a:spcPts val="600"/>
-              </a:spcBef>
-              <a:spcAft>
-                <a:spcPts val="600"/>
-              </a:spcAft>
-              <a:defRPr sz="1800"/>
-            </a:pPr>
-            <a:r>
-              <a:t>The dataset contains 1,000 entries with various demographic and claims-related attributes. Here are some key summary statistics:</a:t>
+              <a:defRPr sz="1600"/>
+            </a:pPr>
+            <a:r>
+              <a:t>From the dataset, we can derive the following summary statistics:</a:t>
             </a:r>
           </a:p>
           <a:p>
             <a:pPr>
-              <a:spcBef>
-                <a:spcPts val="600"/>
-              </a:spcBef>
-              <a:spcAft>
-                <a:spcPts val="600"/>
-              </a:spcAft>
-              <a:defRPr sz="1800"/>
-            </a:pPr>
-            <a:r>
-              <a:t>- **Demographics:**</a:t>
+              <a:defRPr sz="1600"/>
+            </a:pPr>
+            <a:r>
+              <a:t>- **Demographics**:</a:t>
             </a:r>
           </a:p>
           <a:p>
             <a:pPr>
-              <a:spcBef>
-                <a:spcPts val="600"/>
-              </a:spcBef>
-              <a:spcAft>
-                <a:spcPts val="600"/>
-              </a:spcAft>
-              <a:defRPr sz="1800"/>
-            </a:pPr>
-            <a:r>
-              <a:t>- **Birth Date (BENE_BIRTH_DT):** The mean birth year appears to be around 1935, indicating that the majority of the population is elderly.</a:t>
+              <a:defRPr sz="1600"/>
+            </a:pPr>
+            <a:r>
+              <a:t>- **BENE_BIRTH_DT**: Ranges from 1922 to 1961, indicating a diverse age group.</a:t>
             </a:r>
           </a:p>
           <a:p>
             <a:pPr>
-              <a:spcBef>
-                <a:spcPts val="600"/>
-              </a:spcBef>
-              <a:spcAft>
-                <a:spcPts val="600"/>
-              </a:spcAft>
-              <a:defRPr sz="1800"/>
-            </a:pPr>
-            <a:r>
-              <a:t>- **Death Date (BENE_DEATH_DT):** The presence of many zero values indicates that these individuals are still alive or that death dates might not be recorded for all.</a:t>
+              <a:defRPr sz="1600"/>
+            </a:pPr>
+            <a:r>
+              <a:t>- **BENE_SEX_IDENT_CD**: Majority (1.0) appear to be female (coded as 1), while 2.0 represents male.</a:t>
             </a:r>
           </a:p>
           <a:p>
             <a:pPr>
-              <a:spcBef>
-                <a:spcPts val="600"/>
-              </a:spcBef>
-              <a:spcAft>
-                <a:spcPts val="600"/>
-              </a:spcAft>
-              <a:defRPr sz="1800"/>
-            </a:pPr>
-            <a:r>
-              <a:t>- **Sex Identification (BENE_SEX_IDENT_CD):** The mean value is approximately 1.57, indicating a slightly higher number of females (2.0) than males (1.0).</a:t>
+              <a:defRPr sz="1600"/>
+            </a:pPr>
+            <a:r>
+              <a:t>- **BENE_RACE_CD**: Majority of the sample is coded as 1 (possibly indicating a specific race category).</a:t>
             </a:r>
           </a:p>
           <a:p>
             <a:pPr>
-              <a:spcBef>
-                <a:spcPts val="600"/>
-              </a:spcBef>
-              <a:spcAft>
-                <a:spcPts val="600"/>
-              </a:spcAft>
-              <a:defRPr sz="1800"/>
-            </a:pPr>
-            <a:r>
-              <a:t>- **Race (BENE_RACE_CD):** Most individuals appear to belong to a primary race category (1.0).</a:t>
+              <a:defRPr sz="1600"/>
+            </a:pPr>
+            <a:r>
+              <a:t>- **Health Indicators**:</a:t>
             </a:r>
           </a:p>
           <a:p>
             <a:pPr>
-              <a:spcBef>
-                <a:spcPts val="600"/>
-              </a:spcBef>
-              <a:spcAft>
-                <a:spcPts val="600"/>
-              </a:spcAft>
-              <a:defRPr sz="1800"/>
-            </a:pPr>
-            <a:r>
-              <a:t>- **Insurance Coverage:**</a:t>
+              <a:defRPr sz="1600"/>
+            </a:pPr>
+            <a:r>
+              <a:t>- **BENE_ESRD_IND**: A binary indicator where 'Y' indicates end-stage renal disease (ESRD) presence.</a:t>
             </a:r>
           </a:p>
           <a:p>
             <a:pPr>
-              <a:spcBef>
-                <a:spcPts val="600"/>
-              </a:spcBef>
-              <a:spcAft>
-                <a:spcPts val="600"/>
-              </a:spcAft>
-              <a:defRPr sz="1800"/>
-            </a:pPr>
-            <a:r>
-              <a:t>- **Total Medicare Coverage Months:** The average is approximately 11.75 months for HI, SMI, and HMO, indicating that most beneficiaries have continuous coverage.</a:t>
+              <a:defRPr sz="1600"/>
+            </a:pPr>
+            <a:r>
+              <a:t>- Health conditions such as **SP_ALZHDMTA, SP_CHF, SP_DEPRESSN, SP_DIABETES, SP_COPD** show a high incidence across the population, with values mostly at 1.0 (indicating presence).</a:t>
             </a:r>
           </a:p>
           <a:p>
             <a:pPr>
-              <a:spcBef>
-                <a:spcPts val="600"/>
-              </a:spcBef>
-              <a:spcAft>
-                <a:spcPts val="600"/>
-              </a:spcAft>
-              <a:defRPr sz="1800"/>
-            </a:pPr>
-            <a:r>
-              <a:t>- **Chronic Conditions:**</a:t>
+              <a:defRPr sz="1600"/>
+            </a:pPr>
+            <a:r>
+              <a:t>- **Coverage and Claims**:</a:t>
             </a:r>
           </a:p>
           <a:p>
             <a:pPr>
-              <a:spcBef>
-                <a:spcPts val="600"/>
-              </a:spcBef>
-              <a:spcAft>
-                <a:spcPts val="600"/>
-              </a:spcAft>
-              <a:defRPr sz="1800"/>
-            </a:pPr>
-            <a:r>
-              <a:t>- There are several flags for chronic conditions (e.g., Alzheimer’s, CHF, CKD, etc.). The average counts for these conditions are mostly around 1.5-2.0, suggesting a significant prevalence of chronic conditions among this elderly population.</a:t>
+              <a:defRPr sz="1600"/>
+            </a:pPr>
+            <a:r>
+              <a:t>- **BENE_HI_CVRAGE_TOT_MONS**: The average is approximately 11.75 months, indicating limited health coverage for many.</a:t>
             </a:r>
           </a:p>
           <a:p>
             <a:pPr>
-              <a:spcBef>
-                <a:spcPts val="600"/>
-              </a:spcBef>
-              <a:spcAft>
-                <a:spcPts val="600"/>
-              </a:spcAft>
-              <a:defRPr sz="1800"/>
-            </a:pPr>
-            <a:r>
-              <a:t>- **Financial Metrics:**</a:t>
+              <a:defRPr sz="1600"/>
+            </a:pPr>
+            <a:r>
+              <a:t>- **PLAN_CVRG_MOS_NUM**: The average is around 9.12 months, which indicates that many beneficiaries may experience gaps in coverage.</a:t>
             </a:r>
           </a:p>
           <a:p>
             <a:pPr>
-              <a:spcBef>
-                <a:spcPts val="600"/>
-              </a:spcBef>
-              <a:spcAft>
-                <a:spcPts val="600"/>
-              </a:spcAft>
-              <a:defRPr sz="1800"/>
-            </a:pPr>
-            <a:r>
-              <a:t>- **Total Payments (MEDREIMB_IP, OP, CAR):** The average payment amounts are significant, with inpatient payments averaging around $2794.99.</a:t>
+              <a:defRPr sz="1600"/>
+            </a:pPr>
+            <a:r>
+              <a:t>- **Financial Metrics**:</a:t>
             </a:r>
           </a:p>
           <a:p>
             <a:pPr>
-              <a:spcBef>
-                <a:spcPts val="600"/>
-              </a:spcBef>
-              <a:spcAft>
-                <a:spcPts val="600"/>
-              </a:spcAft>
-              <a:defRPr sz="1800"/>
-            </a:pPr>
-            <a:r>
-              <a:t>- **Claim IDs and Dates:** Claim IDs and dates are recorded, which can be useful for tracking claims over time.</a:t>
+              <a:defRPr sz="1600"/>
+            </a:pPr>
+            <a:r>
+              <a:t>- **MEDREIMB_IP**: Average reimbursement for inpatient claims is about 2794.99, with a max of 92100, indicating significant variability in costs.</a:t>
             </a:r>
           </a:p>
           <a:p>
             <a:pPr>
-              <a:spcBef>
-                <a:spcPts val="600"/>
-              </a:spcBef>
-              <a:spcAft>
-                <a:spcPts val="600"/>
-              </a:spcAft>
-              <a:defRPr sz="1800"/>
-            </a:pPr>
-            <a:r>
-              <a:t>### 2. Key Trends and Patterns</a:t>
+              <a:defRPr sz="1600"/>
+            </a:pPr>
+            <a:r>
+              <a:t>- **LINE_NCH_PMT_AMT_1**: Average payment amount per claim is 53.64, with a max of 550, indicating a wide range of claim values.</a:t>
             </a:r>
           </a:p>
         </p:txBody>
@@ -3436,6 +3471,14 @@
 <file path=ppt/slides/slide3.xml><?xml version="1.0" encoding="utf-8"?>
 <p:sld xmlns:a="http://schemas.openxmlformats.org/drawingml/2006/main" xmlns:p="http://schemas.openxmlformats.org/presentationml/2006/main" xmlns:r="http://schemas.openxmlformats.org/officeDocument/2006/relationships">
   <p:cSld>
+    <p:bg>
+      <p:bgPr>
+        <a:solidFill>
+          <a:srgbClr val="FAFAFA"/>
+        </a:solidFill>
+        <a:effectLst/>
+      </p:bgPr>
+    </p:bg>
     <p:spTree>
       <p:nvGrpSpPr>
         <p:cNvPr id="1" name=""/>
@@ -3462,14 +3505,66 @@
       </p:sp>
       <p:sp>
         <p:nvSpPr>
-          <p:cNvPr id="3" name="TextBox 2"/>
+          <p:cNvPr id="3" name="Rectangle 2"/>
+          <p:cNvSpPr/>
+          <p:nvPr/>
+        </p:nvSpPr>
+        <p:spPr>
+          <a:xfrm>
+            <a:off x="0" y="0"/>
+            <a:ext cx="9144000" cy="548640"/>
+          </a:xfrm>
+          <a:prstGeom prst="rect">
+            <a:avLst/>
+          </a:prstGeom>
+          <a:solidFill>
+            <a:srgbClr val="006699"/>
+          </a:solidFill>
+          <a:ln>
+            <a:noFill/>
+          </a:ln>
+        </p:spPr>
+        <p:style>
+          <a:lnRef idx="1">
+            <a:schemeClr val="accent1"/>
+          </a:lnRef>
+          <a:fillRef idx="3">
+            <a:schemeClr val="accent1"/>
+          </a:fillRef>
+          <a:effectRef idx="2">
+            <a:schemeClr val="accent1"/>
+          </a:effectRef>
+          <a:fontRef idx="minor">
+            <a:schemeClr val="lt1"/>
+          </a:fontRef>
+        </p:style>
+        <p:txBody>
+          <a:bodyPr rtlCol="0" anchor="ctr"/>
+          <a:lstStyle/>
+          <a:p>
+            <a:pPr algn="ctr">
+              <a:defRPr sz="1600" b="1">
+                <a:solidFill>
+                  <a:srgbClr val="FFFFFF"/>
+                </a:solidFill>
+              </a:defRPr>
+            </a:pPr>
+            <a:r>
+              <a:t>Dataset Insights</a:t>
+            </a:r>
+          </a:p>
+        </p:txBody>
+      </p:sp>
+      <p:sp>
+        <p:nvSpPr>
+          <p:cNvPr id="4" name="TextBox 3"/>
           <p:cNvSpPr txBox="1"/>
           <p:nvPr/>
         </p:nvSpPr>
         <p:spPr>
           <a:xfrm>
-            <a:off x="457200" y="457200"/>
-            <a:ext cx="8229600" cy="914400"/>
+            <a:off x="457200" y="731520"/>
+            <a:ext cx="8229600" cy="640080"/>
           </a:xfrm>
           <a:prstGeom prst="rect">
             <a:avLst/>
@@ -3477,34 +3572,34 @@
           <a:noFill/>
         </p:spPr>
         <p:txBody>
-          <a:bodyPr wrap="square">
+          <a:bodyPr wrap="none">
             <a:spAutoFit/>
           </a:bodyPr>
           <a:lstStyle/>
           <a:p>
             <a:pPr>
-              <a:defRPr sz="3200" b="1">
+              <a:defRPr sz="2800" b="1">
                 <a:solidFill>
                   <a:srgbClr val="003366"/>
                 </a:solidFill>
               </a:defRPr>
             </a:pPr>
             <a:r>
-              <a:t>### 2. Key Trends and Patterns</a:t>
-            </a:r>
-          </a:p>
-        </p:txBody>
-      </p:sp>
-      <p:sp>
-        <p:nvSpPr>
-          <p:cNvPr id="4" name="TextBox 3"/>
+              <a:t>2. Key Trends and Patterns</a:t>
+            </a:r>
+          </a:p>
+        </p:txBody>
+      </p:sp>
+      <p:sp>
+        <p:nvSpPr>
+          <p:cNvPr id="5" name="TextBox 4"/>
           <p:cNvSpPr txBox="1"/>
           <p:nvPr/>
         </p:nvSpPr>
         <p:spPr>
           <a:xfrm>
-            <a:off x="457200" y="1645920"/>
-            <a:ext cx="8229600" cy="4754880"/>
+            <a:off x="457200" y="1463040"/>
+            <a:ext cx="8229600" cy="4572000"/>
           </a:xfrm>
           <a:prstGeom prst="rect">
             <a:avLst/>
@@ -3519,72 +3614,66 @@
           <a:p/>
           <a:p>
             <a:pPr>
-              <a:spcBef>
-                <a:spcPts val="600"/>
-              </a:spcBef>
-              <a:spcAft>
-                <a:spcPts val="600"/>
-              </a:spcAft>
-              <a:defRPr sz="1800"/>
-            </a:pPr>
-            <a:r>
-              <a:t>- **Age Distribution:** The dataset primarily represents an older demographic, which is expected in Medicare data. This suggests a higher demand for healthcare services.</a:t>
+              <a:defRPr sz="1600"/>
+            </a:pPr>
+            <a:r>
+              <a:t>- **Age and Gender Distribution**:</a:t>
             </a:r>
           </a:p>
           <a:p>
             <a:pPr>
-              <a:spcBef>
-                <a:spcPts val="600"/>
-              </a:spcBef>
-              <a:spcAft>
-                <a:spcPts val="600"/>
-              </a:spcAft>
-              <a:defRPr sz="1800"/>
-            </a:pPr>
-            <a:r>
-              <a:t>- **High Prevalence of Chronic Conditions:** The presence of chronic conditions such as diabetes, depression, and cardiovascular diseases indicates a need for targeted healthcare programs to manage these conditions effectively.</a:t>
+              <a:defRPr sz="1600"/>
+            </a:pPr>
+            <a:r>
+              <a:t>- There is an aging population, with birth dates predominantly prior to 1961, suggesting that the dataset primarily represents older adults.</a:t>
             </a:r>
           </a:p>
           <a:p>
             <a:pPr>
-              <a:spcBef>
-                <a:spcPts val="600"/>
-              </a:spcBef>
-              <a:spcAft>
-                <a:spcPts val="600"/>
-              </a:spcAft>
-              <a:defRPr sz="1800"/>
-            </a:pPr>
-            <a:r>
-              <a:t>- **Insurance Coverage Stability:** Most beneficiaries have a consistent history of coverage, which is crucial for maintaining continuous care.</a:t>
+              <a:defRPr sz="1600"/>
+            </a:pPr>
+            <a:r>
+              <a:t>- **Prevalence of Chronic Conditions**:</a:t>
             </a:r>
           </a:p>
           <a:p>
             <a:pPr>
-              <a:spcBef>
-                <a:spcPts val="600"/>
-              </a:spcBef>
-              <a:spcAft>
-                <a:spcPts val="600"/>
-              </a:spcAft>
-              <a:defRPr sz="1800"/>
-            </a:pPr>
-            <a:r>
-              <a:t>- **Potential for Care Coordination:** The presence of multiple chronic conditions among individuals suggests that coordinated care models could be beneficial.</a:t>
+              <a:defRPr sz="1600"/>
+            </a:pPr>
+            <a:r>
+              <a:t>- Conditions such as diabetes, depression, and chronic heart failure are notably prevalent, indicating a need for targeted healthcare services and interventions.</a:t>
             </a:r>
           </a:p>
           <a:p>
             <a:pPr>
-              <a:spcBef>
-                <a:spcPts val="600"/>
-              </a:spcBef>
-              <a:spcAft>
-                <a:spcPts val="600"/>
-              </a:spcAft>
-              <a:defRPr sz="1800"/>
-            </a:pPr>
-            <a:r>
-              <a:t>### 3. Recommendations for Improvement</a:t>
+              <a:defRPr sz="1600"/>
+            </a:pPr>
+            <a:r>
+              <a:t>- **Coverage Gaps**:</a:t>
+            </a:r>
+          </a:p>
+          <a:p>
+            <a:pPr>
+              <a:defRPr sz="1600"/>
+            </a:pPr>
+            <a:r>
+              <a:t>- The average months of health insurance coverage are below 12 months for many beneficiaries, which suggests potential gaps in care continuity.</a:t>
+            </a:r>
+          </a:p>
+          <a:p>
+            <a:pPr>
+              <a:defRPr sz="1600"/>
+            </a:pPr>
+            <a:r>
+              <a:t>- **Healthcare Costs**:</a:t>
+            </a:r>
+          </a:p>
+          <a:p>
+            <a:pPr>
+              <a:defRPr sz="1600"/>
+            </a:pPr>
+            <a:r>
+              <a:t>- The reimbursement amounts indicate variability, which may reflect differences in the severity of conditions or geographical healthcare costs.</a:t>
             </a:r>
           </a:p>
         </p:txBody>
@@ -3600,6 +3689,14 @@
 <file path=ppt/slides/slide4.xml><?xml version="1.0" encoding="utf-8"?>
 <p:sld xmlns:a="http://schemas.openxmlformats.org/drawingml/2006/main" xmlns:p="http://schemas.openxmlformats.org/presentationml/2006/main" xmlns:r="http://schemas.openxmlformats.org/officeDocument/2006/relationships">
   <p:cSld>
+    <p:bg>
+      <p:bgPr>
+        <a:solidFill>
+          <a:srgbClr val="FAFAFA"/>
+        </a:solidFill>
+        <a:effectLst/>
+      </p:bgPr>
+    </p:bg>
     <p:spTree>
       <p:nvGrpSpPr>
         <p:cNvPr id="1" name=""/>
@@ -3626,14 +3723,66 @@
       </p:sp>
       <p:sp>
         <p:nvSpPr>
-          <p:cNvPr id="3" name="TextBox 2"/>
+          <p:cNvPr id="3" name="Rectangle 2"/>
+          <p:cNvSpPr/>
+          <p:nvPr/>
+        </p:nvSpPr>
+        <p:spPr>
+          <a:xfrm>
+            <a:off x="0" y="0"/>
+            <a:ext cx="9144000" cy="548640"/>
+          </a:xfrm>
+          <a:prstGeom prst="rect">
+            <a:avLst/>
+          </a:prstGeom>
+          <a:solidFill>
+            <a:srgbClr val="006699"/>
+          </a:solidFill>
+          <a:ln>
+            <a:noFill/>
+          </a:ln>
+        </p:spPr>
+        <p:style>
+          <a:lnRef idx="1">
+            <a:schemeClr val="accent1"/>
+          </a:lnRef>
+          <a:fillRef idx="3">
+            <a:schemeClr val="accent1"/>
+          </a:fillRef>
+          <a:effectRef idx="2">
+            <a:schemeClr val="accent1"/>
+          </a:effectRef>
+          <a:fontRef idx="minor">
+            <a:schemeClr val="lt1"/>
+          </a:fontRef>
+        </p:style>
+        <p:txBody>
+          <a:bodyPr rtlCol="0" anchor="ctr"/>
+          <a:lstStyle/>
+          <a:p>
+            <a:pPr algn="ctr">
+              <a:defRPr sz="1600" b="1">
+                <a:solidFill>
+                  <a:srgbClr val="FFFFFF"/>
+                </a:solidFill>
+              </a:defRPr>
+            </a:pPr>
+            <a:r>
+              <a:t>Dataset Insights</a:t>
+            </a:r>
+          </a:p>
+        </p:txBody>
+      </p:sp>
+      <p:sp>
+        <p:nvSpPr>
+          <p:cNvPr id="4" name="TextBox 3"/>
           <p:cNvSpPr txBox="1"/>
           <p:nvPr/>
         </p:nvSpPr>
         <p:spPr>
           <a:xfrm>
-            <a:off x="457200" y="457200"/>
-            <a:ext cx="8229600" cy="914400"/>
+            <a:off x="457200" y="731520"/>
+            <a:ext cx="8229600" cy="640080"/>
           </a:xfrm>
           <a:prstGeom prst="rect">
             <a:avLst/>
@@ -3641,34 +3790,34 @@
           <a:noFill/>
         </p:spPr>
         <p:txBody>
-          <a:bodyPr wrap="square">
+          <a:bodyPr wrap="none">
             <a:spAutoFit/>
           </a:bodyPr>
           <a:lstStyle/>
           <a:p>
             <a:pPr>
-              <a:defRPr sz="3200" b="1">
+              <a:defRPr sz="2800" b="1">
                 <a:solidFill>
                   <a:srgbClr val="003366"/>
                 </a:solidFill>
               </a:defRPr>
             </a:pPr>
             <a:r>
-              <a:t>### 3. Recommendations for Improvement</a:t>
-            </a:r>
-          </a:p>
-        </p:txBody>
-      </p:sp>
-      <p:sp>
-        <p:nvSpPr>
-          <p:cNvPr id="4" name="TextBox 3"/>
+              <a:t>3. Recommendations for Improvement</a:t>
+            </a:r>
+          </a:p>
+        </p:txBody>
+      </p:sp>
+      <p:sp>
+        <p:nvSpPr>
+          <p:cNvPr id="5" name="TextBox 4"/>
           <p:cNvSpPr txBox="1"/>
           <p:nvPr/>
         </p:nvSpPr>
         <p:spPr>
           <a:xfrm>
-            <a:off x="457200" y="1645920"/>
-            <a:ext cx="8229600" cy="4754880"/>
+            <a:off x="457200" y="1463040"/>
+            <a:ext cx="8229600" cy="4572000"/>
           </a:xfrm>
           <a:prstGeom prst="rect">
             <a:avLst/>
@@ -3683,72 +3832,66 @@
           <a:p/>
           <a:p>
             <a:pPr>
-              <a:spcBef>
-                <a:spcPts val="600"/>
-              </a:spcBef>
-              <a:spcAft>
-                <a:spcPts val="600"/>
-              </a:spcAft>
-              <a:defRPr sz="1800"/>
-            </a:pPr>
-            <a:r>
-              <a:t>- **Targeted Health Programs:** Implement health programs specifically designed for managing chronic conditions, such as diabetes management and mental health services for depression.</a:t>
+              <a:defRPr sz="1600"/>
+            </a:pPr>
+            <a:r>
+              <a:t>- **Enhance Insurance Coverage**:</a:t>
             </a:r>
           </a:p>
           <a:p>
             <a:pPr>
-              <a:spcBef>
-                <a:spcPts val="600"/>
-              </a:spcBef>
-              <a:spcAft>
-                <a:spcPts val="600"/>
-              </a:spcAft>
-              <a:defRPr sz="1800"/>
-            </a:pPr>
-            <a:r>
-              <a:t>- **Data Completeness:** Improve the collection of demographic data, particularly around death dates and racial/ethnic categories, to enhance understanding and support for these populations.</a:t>
+              <a:defRPr sz="1600"/>
+            </a:pPr>
+            <a:r>
+              <a:t>- Implement programs to increase the number of months beneficiaries are covered under health insurance plans to ensure continuity of care.</a:t>
             </a:r>
           </a:p>
           <a:p>
             <a:pPr>
-              <a:spcBef>
-                <a:spcPts val="600"/>
-              </a:spcBef>
-              <a:spcAft>
-                <a:spcPts val="600"/>
-              </a:spcAft>
-              <a:defRPr sz="1800"/>
-            </a:pPr>
-            <a:r>
-              <a:t>- **Care Coordination Models:** Develop care coordination initiatives that focus on individuals with multiple chronic conditions to ensure they receive comprehensive care across different healthcare settings.</a:t>
+              <a:defRPr sz="1600"/>
+            </a:pPr>
+            <a:r>
+              <a:t>- **Targeted Health Interventions**:</a:t>
             </a:r>
           </a:p>
           <a:p>
             <a:pPr>
-              <a:spcBef>
-                <a:spcPts val="600"/>
-              </a:spcBef>
-              <a:spcAft>
-                <a:spcPts val="600"/>
-              </a:spcAft>
-              <a:defRPr sz="1800"/>
-            </a:pPr>
-            <a:r>
-              <a:t>- **Financial Assistance Programs:** Evaluate the financial impact on beneficiaries with high medical expenses and consider programs that assist with deductibles and coinsurance.</a:t>
+              <a:defRPr sz="1600"/>
+            </a:pPr>
+            <a:r>
+              <a:t>- Develop and promote health programs focused on chronic conditions like diabetes and heart disease. This could involve education on lifestyle changes and regular health screenings.</a:t>
             </a:r>
           </a:p>
           <a:p>
             <a:pPr>
-              <a:spcBef>
-                <a:spcPts val="600"/>
-              </a:spcBef>
-              <a:spcAft>
-                <a:spcPts val="600"/>
-              </a:spcAft>
-              <a:defRPr sz="1800"/>
-            </a:pPr>
-            <a:r>
-              <a:t>### 4. Anomalies or Areas of Concern</a:t>
+              <a:defRPr sz="1600"/>
+            </a:pPr>
+            <a:r>
+              <a:t>- **Cost Management Strategies**:</a:t>
+            </a:r>
+          </a:p>
+          <a:p>
+            <a:pPr>
+              <a:defRPr sz="1600"/>
+            </a:pPr>
+            <a:r>
+              <a:t>- Investigate the high variability in costs associated with claims. Consider negotiating better reimbursement rates or creating standardized payments for similar conditions.</a:t>
+            </a:r>
+          </a:p>
+          <a:p>
+            <a:pPr>
+              <a:defRPr sz="1600"/>
+            </a:pPr>
+            <a:r>
+              <a:t>- **Data Collection Improvements**:</a:t>
+            </a:r>
+          </a:p>
+          <a:p>
+            <a:pPr>
+              <a:defRPr sz="1600"/>
+            </a:pPr>
+            <a:r>
+              <a:t>- Ensure demographic data is accurately recorded to enable better analysis of healthcare needs. This includes enhancing the granularity of race and ethnicity data for better-targeted interventions.</a:t>
             </a:r>
           </a:p>
         </p:txBody>
@@ -3764,6 +3907,14 @@
 <file path=ppt/slides/slide5.xml><?xml version="1.0" encoding="utf-8"?>
 <p:sld xmlns:a="http://schemas.openxmlformats.org/drawingml/2006/main" xmlns:p="http://schemas.openxmlformats.org/presentationml/2006/main" xmlns:r="http://schemas.openxmlformats.org/officeDocument/2006/relationships">
   <p:cSld>
+    <p:bg>
+      <p:bgPr>
+        <a:solidFill>
+          <a:srgbClr val="FAFAFA"/>
+        </a:solidFill>
+        <a:effectLst/>
+      </p:bgPr>
+    </p:bg>
     <p:spTree>
       <p:nvGrpSpPr>
         <p:cNvPr id="1" name=""/>
@@ -3790,14 +3941,66 @@
       </p:sp>
       <p:sp>
         <p:nvSpPr>
-          <p:cNvPr id="3" name="TextBox 2"/>
+          <p:cNvPr id="3" name="Rectangle 2"/>
+          <p:cNvSpPr/>
+          <p:nvPr/>
+        </p:nvSpPr>
+        <p:spPr>
+          <a:xfrm>
+            <a:off x="0" y="0"/>
+            <a:ext cx="9144000" cy="548640"/>
+          </a:xfrm>
+          <a:prstGeom prst="rect">
+            <a:avLst/>
+          </a:prstGeom>
+          <a:solidFill>
+            <a:srgbClr val="006699"/>
+          </a:solidFill>
+          <a:ln>
+            <a:noFill/>
+          </a:ln>
+        </p:spPr>
+        <p:style>
+          <a:lnRef idx="1">
+            <a:schemeClr val="accent1"/>
+          </a:lnRef>
+          <a:fillRef idx="3">
+            <a:schemeClr val="accent1"/>
+          </a:fillRef>
+          <a:effectRef idx="2">
+            <a:schemeClr val="accent1"/>
+          </a:effectRef>
+          <a:fontRef idx="minor">
+            <a:schemeClr val="lt1"/>
+          </a:fontRef>
+        </p:style>
+        <p:txBody>
+          <a:bodyPr rtlCol="0" anchor="ctr"/>
+          <a:lstStyle/>
+          <a:p>
+            <a:pPr algn="ctr">
+              <a:defRPr sz="1600" b="1">
+                <a:solidFill>
+                  <a:srgbClr val="FFFFFF"/>
+                </a:solidFill>
+              </a:defRPr>
+            </a:pPr>
+            <a:r>
+              <a:t>Dataset Insights</a:t>
+            </a:r>
+          </a:p>
+        </p:txBody>
+      </p:sp>
+      <p:sp>
+        <p:nvSpPr>
+          <p:cNvPr id="4" name="TextBox 3"/>
           <p:cNvSpPr txBox="1"/>
           <p:nvPr/>
         </p:nvSpPr>
         <p:spPr>
           <a:xfrm>
-            <a:off x="457200" y="457200"/>
-            <a:ext cx="8229600" cy="914400"/>
+            <a:off x="457200" y="731520"/>
+            <a:ext cx="8229600" cy="640080"/>
           </a:xfrm>
           <a:prstGeom prst="rect">
             <a:avLst/>
@@ -3805,34 +4008,34 @@
           <a:noFill/>
         </p:spPr>
         <p:txBody>
-          <a:bodyPr wrap="square">
+          <a:bodyPr wrap="none">
             <a:spAutoFit/>
           </a:bodyPr>
           <a:lstStyle/>
           <a:p>
             <a:pPr>
-              <a:defRPr sz="3200" b="1">
+              <a:defRPr sz="2800" b="1">
                 <a:solidFill>
                   <a:srgbClr val="003366"/>
                 </a:solidFill>
               </a:defRPr>
             </a:pPr>
             <a:r>
-              <a:t>### 4. Anomalies or Areas of Concern</a:t>
-            </a:r>
-          </a:p>
-        </p:txBody>
-      </p:sp>
-      <p:sp>
-        <p:nvSpPr>
-          <p:cNvPr id="4" name="TextBox 3"/>
+              <a:t>4. Anomalies or Areas of Concern</a:t>
+            </a:r>
+          </a:p>
+        </p:txBody>
+      </p:sp>
+      <p:sp>
+        <p:nvSpPr>
+          <p:cNvPr id="5" name="TextBox 4"/>
           <p:cNvSpPr txBox="1"/>
           <p:nvPr/>
         </p:nvSpPr>
         <p:spPr>
           <a:xfrm>
-            <a:off x="457200" y="1645920"/>
-            <a:ext cx="8229600" cy="4754880"/>
+            <a:off x="457200" y="1463040"/>
+            <a:ext cx="8229600" cy="4572000"/>
           </a:xfrm>
           <a:prstGeom prst="rect">
             <a:avLst/>
@@ -3847,180 +4050,74 @@
           <a:p/>
           <a:p>
             <a:pPr>
-              <a:spcBef>
-                <a:spcPts val="600"/>
-              </a:spcBef>
-              <a:spcAft>
-                <a:spcPts val="600"/>
-              </a:spcAft>
-              <a:defRPr sz="1800"/>
-            </a:pPr>
-            <a:r>
-              <a:t>- **Death Date Reporting:** The high number of zero values in the death date field indicates a potential issue with data completeness. This could affect population health assessments and resource allocation.</a:t>
+              <a:defRPr sz="1600"/>
+            </a:pPr>
+            <a:r>
+              <a:t>- **High Values in Claims**:</a:t>
             </a:r>
           </a:p>
           <a:p>
             <a:pPr>
-              <a:spcBef>
-                <a:spcPts val="600"/>
-              </a:spcBef>
-              <a:spcAft>
-                <a:spcPts val="600"/>
-              </a:spcAft>
-              <a:defRPr sz="1800"/>
-            </a:pPr>
-            <a:r>
-              <a:t>- **Negative Values for Payments:** There are negative payment amounts present in the financial metrics, which may indicate billing errors or adjustments that need to be addressed.</a:t>
+              <a:defRPr sz="1600"/>
+            </a:pPr>
+            <a:r>
+              <a:t>- The maximum value for **MEDREIMB_IP** of 92100 and **LINE_NCH_PMT_AMT_1** of 550 may indicate outliers that could skew overall averages. These should be investigated further to determine if they represent extreme cases or data entry errors.</a:t>
             </a:r>
           </a:p>
           <a:p>
             <a:pPr>
-              <a:spcBef>
-                <a:spcPts val="600"/>
-              </a:spcBef>
-              <a:spcAft>
-                <a:spcPts val="600"/>
-              </a:spcAft>
-              <a:defRPr sz="1800"/>
-            </a:pPr>
-            <a:r>
-              <a:t>- **Potential Underreporting of Chronic Conditions:** The average counts for certain chronic conditions seem relatively low compared to national averages. This could suggest underreporting or misclassification in the dataset.</a:t>
+              <a:defRPr sz="1600"/>
+            </a:pPr>
+            <a:r>
+              <a:t>- **Zero Values in Coverage**:</a:t>
             </a:r>
           </a:p>
           <a:p>
             <a:pPr>
-              <a:spcBef>
-                <a:spcPts val="600"/>
-              </a:spcBef>
-              <a:spcAft>
-                <a:spcPts val="600"/>
-              </a:spcAft>
-              <a:defRPr sz="1800"/>
-            </a:pPr>
-            <a:r>
-              <a:t>- **Data Type Consistency:** Several columns, including demographic identifiers, have a mix of numeric and string types (e.g., ICD codes). Consider standardizing these fields to improve data integrity and usability in analysis.</a:t>
+              <a:defRPr sz="1600"/>
+            </a:pPr>
+            <a:r>
+              <a:t>- Several beneficiaries have zero months of coverage reported, which is concerning. This could indicate gaps in insurance or data recording issues and should be addressed immediately.</a:t>
             </a:r>
           </a:p>
           <a:p>
             <a:pPr>
-              <a:spcBef>
-                <a:spcPts val="600"/>
-              </a:spcBef>
-              <a:spcAft>
-                <a:spcPts val="600"/>
-              </a:spcAft>
-              <a:defRPr sz="1800"/>
-            </a:pPr>
-            <a:r>
-              <a:t>### Conclusion</a:t>
-            </a:r>
-          </a:p>
-        </p:txBody>
-      </p:sp>
-    </p:spTree>
-  </p:cSld>
-  <p:clrMapOvr>
-    <a:masterClrMapping/>
-  </p:clrMapOvr>
-</p:sld>
-</file>
-
-<file path=ppt/slides/slide6.xml><?xml version="1.0" encoding="utf-8"?>
-<p:sld xmlns:a="http://schemas.openxmlformats.org/drawingml/2006/main" xmlns:p="http://schemas.openxmlformats.org/presentationml/2006/main" xmlns:r="http://schemas.openxmlformats.org/officeDocument/2006/relationships">
-  <p:cSld>
-    <p:spTree>
-      <p:nvGrpSpPr>
-        <p:cNvPr id="1" name=""/>
-        <p:cNvGrpSpPr/>
-        <p:nvPr/>
-      </p:nvGrpSpPr>
-      <p:grpSpPr/>
-      <p:sp>
-        <p:nvSpPr>
-          <p:cNvPr id="2" name="Title 1"/>
-          <p:cNvSpPr>
-            <a:spLocks noGrp="1"/>
-          </p:cNvSpPr>
-          <p:nvPr>
-            <p:ph type="title"/>
-          </p:nvPr>
-        </p:nvSpPr>
-        <p:spPr/>
-        <p:txBody>
-          <a:bodyPr/>
-          <a:lstStyle/>
-          <a:p/>
-        </p:txBody>
-      </p:sp>
-      <p:sp>
-        <p:nvSpPr>
-          <p:cNvPr id="3" name="TextBox 2"/>
-          <p:cNvSpPr txBox="1"/>
-          <p:nvPr/>
-        </p:nvSpPr>
-        <p:spPr>
-          <a:xfrm>
-            <a:off x="457200" y="457200"/>
-            <a:ext cx="8229600" cy="914400"/>
-          </a:xfrm>
-          <a:prstGeom prst="rect">
-            <a:avLst/>
-          </a:prstGeom>
-          <a:noFill/>
-        </p:spPr>
-        <p:txBody>
-          <a:bodyPr wrap="none">
-            <a:spAutoFit/>
-          </a:bodyPr>
-          <a:lstStyle/>
+              <a:defRPr sz="1600"/>
+            </a:pPr>
+            <a:r>
+              <a:t>- **Age Distribution**:</a:t>
+            </a:r>
+          </a:p>
           <a:p>
             <a:pPr>
-              <a:defRPr sz="3200" b="1">
-                <a:solidFill>
-                  <a:srgbClr val="003366"/>
-                </a:solidFill>
-              </a:defRPr>
-            </a:pPr>
-            <a:r>
-              <a:t>### Conclusion</a:t>
-            </a:r>
-          </a:p>
-        </p:txBody>
-      </p:sp>
-      <p:sp>
-        <p:nvSpPr>
-          <p:cNvPr id="4" name="TextBox 3"/>
-          <p:cNvSpPr txBox="1"/>
-          <p:nvPr/>
-        </p:nvSpPr>
-        <p:spPr>
-          <a:xfrm>
-            <a:off x="457200" y="1645920"/>
-            <a:ext cx="8229600" cy="4754880"/>
-          </a:xfrm>
-          <a:prstGeom prst="rect">
-            <a:avLst/>
-          </a:prstGeom>
-          <a:noFill/>
-        </p:spPr>
-        <p:txBody>
-          <a:bodyPr wrap="square">
-            <a:spAutoFit/>
-          </a:bodyPr>
-          <a:lstStyle/>
-          <a:p/>
+              <a:defRPr sz="1600"/>
+            </a:pPr>
+            <a:r>
+              <a:t>- With a significant number of beneficiaries being older adults, there could be an increased demand for geriatric care services. Monitoring trends in aging and chronic illnesses is crucial for future planning.</a:t>
+            </a:r>
+          </a:p>
           <a:p>
             <a:pPr>
-              <a:spcBef>
-                <a:spcPts val="600"/>
-              </a:spcBef>
-              <a:spcAft>
-                <a:spcPts val="600"/>
-              </a:spcAft>
-              <a:defRPr sz="1800"/>
-            </a:pPr>
-            <a:r>
-              <a:t>The dataset presents valuable insights into the Medicare population, particularly regarding age, chronic conditions, and insurance coverage. Addressing the anomalies and implementing the recommendations can significantly enhance the quality and effectiveness of healthcare delivery for this demographic.</a:t>
+              <a:defRPr sz="1600"/>
+            </a:pPr>
+            <a:r>
+              <a:t>- **Potential Data Quality Concerns**:</a:t>
+            </a:r>
+          </a:p>
+          <a:p>
+            <a:pPr>
+              <a:defRPr sz="1600"/>
+            </a:pPr>
+            <a:r>
+              <a:t>- The presence of zero values in key columns (e.g., BENE_DEATH_DT, various medical claim amounts) may suggest data quality issues that require validation.</a:t>
+            </a:r>
+          </a:p>
+          <a:p>
+            <a:pPr>
+              <a:defRPr sz="1600"/>
+            </a:pPr>
+            <a:r>
+              <a:t>In summary, the dataset indicates significant health concerns among an aging population, with gaps in insurance coverage and variability in healthcare costs. Addressing these areas through targeted interventions and improved data management practices is essential for enhancing patient care and health outcomes.</a:t>
             </a:r>
           </a:p>
         </p:txBody>
